--- a/202412221623系統架構流程.pptx
+++ b/202412221623系統架構流程.pptx
@@ -105,6 +105,11 @@
       </a:defRPr>
     </a:lvl9pPr>
   </p:defaultTextStyle>
+  <p:extLst>
+    <p:ext uri="{EFAFB233-063F-42B5-8137-9DF3F51BA10A}">
+      <p15:sldGuideLst xmlns:p15="http://schemas.microsoft.com/office/powerpoint/2012/main"/>
+    </p:ext>
+  </p:extLst>
 </p:presentation>
 </file>
 
@@ -255,7 +260,7 @@
           <a:p>
             <a:fld id="{A022D4BD-E903-4A5B-AABF-93A10DCC1E0C}" type="datetimeFigureOut">
               <a:rPr lang="zh-TW" altLang="en-US" smtClean="0"/>
-              <a:t>2024/12/22</a:t>
+              <a:t>2024/12/24</a:t>
             </a:fld>
             <a:endParaRPr lang="zh-TW" altLang="en-US"/>
           </a:p>
@@ -453,7 +458,7 @@
           <a:p>
             <a:fld id="{A022D4BD-E903-4A5B-AABF-93A10DCC1E0C}" type="datetimeFigureOut">
               <a:rPr lang="zh-TW" altLang="en-US" smtClean="0"/>
-              <a:t>2024/12/22</a:t>
+              <a:t>2024/12/24</a:t>
             </a:fld>
             <a:endParaRPr lang="zh-TW" altLang="en-US"/>
           </a:p>
@@ -661,7 +666,7 @@
           <a:p>
             <a:fld id="{A022D4BD-E903-4A5B-AABF-93A10DCC1E0C}" type="datetimeFigureOut">
               <a:rPr lang="zh-TW" altLang="en-US" smtClean="0"/>
-              <a:t>2024/12/22</a:t>
+              <a:t>2024/12/24</a:t>
             </a:fld>
             <a:endParaRPr lang="zh-TW" altLang="en-US"/>
           </a:p>
@@ -859,7 +864,7 @@
           <a:p>
             <a:fld id="{A022D4BD-E903-4A5B-AABF-93A10DCC1E0C}" type="datetimeFigureOut">
               <a:rPr lang="zh-TW" altLang="en-US" smtClean="0"/>
-              <a:t>2024/12/22</a:t>
+              <a:t>2024/12/24</a:t>
             </a:fld>
             <a:endParaRPr lang="zh-TW" altLang="en-US"/>
           </a:p>
@@ -1134,7 +1139,7 @@
           <a:p>
             <a:fld id="{A022D4BD-E903-4A5B-AABF-93A10DCC1E0C}" type="datetimeFigureOut">
               <a:rPr lang="zh-TW" altLang="en-US" smtClean="0"/>
-              <a:t>2024/12/22</a:t>
+              <a:t>2024/12/24</a:t>
             </a:fld>
             <a:endParaRPr lang="zh-TW" altLang="en-US"/>
           </a:p>
@@ -1399,7 +1404,7 @@
           <a:p>
             <a:fld id="{A022D4BD-E903-4A5B-AABF-93A10DCC1E0C}" type="datetimeFigureOut">
               <a:rPr lang="zh-TW" altLang="en-US" smtClean="0"/>
-              <a:t>2024/12/22</a:t>
+              <a:t>2024/12/24</a:t>
             </a:fld>
             <a:endParaRPr lang="zh-TW" altLang="en-US"/>
           </a:p>
@@ -1811,7 +1816,7 @@
           <a:p>
             <a:fld id="{A022D4BD-E903-4A5B-AABF-93A10DCC1E0C}" type="datetimeFigureOut">
               <a:rPr lang="zh-TW" altLang="en-US" smtClean="0"/>
-              <a:t>2024/12/22</a:t>
+              <a:t>2024/12/24</a:t>
             </a:fld>
             <a:endParaRPr lang="zh-TW" altLang="en-US"/>
           </a:p>
@@ -1952,7 +1957,7 @@
           <a:p>
             <a:fld id="{A022D4BD-E903-4A5B-AABF-93A10DCC1E0C}" type="datetimeFigureOut">
               <a:rPr lang="zh-TW" altLang="en-US" smtClean="0"/>
-              <a:t>2024/12/22</a:t>
+              <a:t>2024/12/24</a:t>
             </a:fld>
             <a:endParaRPr lang="zh-TW" altLang="en-US"/>
           </a:p>
@@ -2065,7 +2070,7 @@
           <a:p>
             <a:fld id="{A022D4BD-E903-4A5B-AABF-93A10DCC1E0C}" type="datetimeFigureOut">
               <a:rPr lang="zh-TW" altLang="en-US" smtClean="0"/>
-              <a:t>2024/12/22</a:t>
+              <a:t>2024/12/24</a:t>
             </a:fld>
             <a:endParaRPr lang="zh-TW" altLang="en-US"/>
           </a:p>
@@ -2376,7 +2381,7 @@
           <a:p>
             <a:fld id="{A022D4BD-E903-4A5B-AABF-93A10DCC1E0C}" type="datetimeFigureOut">
               <a:rPr lang="zh-TW" altLang="en-US" smtClean="0"/>
-              <a:t>2024/12/22</a:t>
+              <a:t>2024/12/24</a:t>
             </a:fld>
             <a:endParaRPr lang="zh-TW" altLang="en-US"/>
           </a:p>
@@ -2664,7 +2669,7 @@
           <a:p>
             <a:fld id="{A022D4BD-E903-4A5B-AABF-93A10DCC1E0C}" type="datetimeFigureOut">
               <a:rPr lang="zh-TW" altLang="en-US" smtClean="0"/>
-              <a:t>2024/12/22</a:t>
+              <a:t>2024/12/24</a:t>
             </a:fld>
             <a:endParaRPr lang="zh-TW" altLang="en-US"/>
           </a:p>
@@ -2905,7 +2910,7 @@
           <a:p>
             <a:fld id="{A022D4BD-E903-4A5B-AABF-93A10DCC1E0C}" type="datetimeFigureOut">
               <a:rPr lang="zh-TW" altLang="en-US" smtClean="0"/>
-              <a:t>2024/12/22</a:t>
+              <a:t>2024/12/24</a:t>
             </a:fld>
             <a:endParaRPr lang="zh-TW" altLang="en-US"/>
           </a:p>
@@ -3638,12 +3643,17 @@
             <p:ph type="title"/>
           </p:nvPr>
         </p:nvSpPr>
-        <p:spPr/>
-        <p:txBody>
-          <a:bodyPr/>
-          <a:lstStyle/>
-          <a:p>
-            <a:endParaRPr lang="zh-TW" altLang="en-US"/>
+        <p:spPr>
+          <a:xfrm>
+            <a:off x="9725890" y="771958"/>
+            <a:ext cx="1627909" cy="918730"/>
+          </a:xfrm>
+        </p:spPr>
+        <p:txBody>
+          <a:bodyPr/>
+          <a:lstStyle/>
+          <a:p>
+            <a:endParaRPr lang="zh-TW" altLang="en-US" dirty="0"/>
           </a:p>
         </p:txBody>
       </p:sp>
@@ -3663,7 +3673,12 @@
             <p:ph idx="1"/>
           </p:nvPr>
         </p:nvSpPr>
-        <p:spPr/>
+        <p:spPr>
+          <a:xfrm>
+            <a:off x="8977744" y="5163127"/>
+            <a:ext cx="2376055" cy="1013836"/>
+          </a:xfrm>
+        </p:spPr>
         <p:txBody>
           <a:bodyPr/>
           <a:lstStyle/>
@@ -3694,7 +3709,7 @@
         </p:blipFill>
         <p:spPr>
           <a:xfrm>
-            <a:off x="2695100" y="1790471"/>
+            <a:off x="4552000" y="3132989"/>
             <a:ext cx="6801799" cy="3277057"/>
           </a:xfrm>
           <a:prstGeom prst="rect">
@@ -3702,6 +3717,869 @@
           </a:prstGeom>
         </p:spPr>
       </p:pic>
+      <p:sp>
+        <p:nvSpPr>
+          <p:cNvPr id="6" name="矩形: 圓角 5">
+            <a:extLst>
+              <a:ext uri="{FF2B5EF4-FFF2-40B4-BE49-F238E27FC236}">
+                <a16:creationId xmlns:a16="http://schemas.microsoft.com/office/drawing/2014/main" id="{E47D21C1-F407-49BE-B459-498A24A0EBBD}"/>
+              </a:ext>
+            </a:extLst>
+          </p:cNvPr>
+          <p:cNvSpPr/>
+          <p:nvPr/>
+        </p:nvSpPr>
+        <p:spPr>
+          <a:xfrm>
+            <a:off x="3883891" y="251948"/>
+            <a:ext cx="1773382" cy="918730"/>
+          </a:xfrm>
+          <a:prstGeom prst="roundRect">
+            <a:avLst/>
+          </a:prstGeom>
+        </p:spPr>
+        <p:style>
+          <a:lnRef idx="2">
+            <a:schemeClr val="accent1">
+              <a:shade val="50000"/>
+            </a:schemeClr>
+          </a:lnRef>
+          <a:fillRef idx="1">
+            <a:schemeClr val="accent1"/>
+          </a:fillRef>
+          <a:effectRef idx="0">
+            <a:schemeClr val="accent1"/>
+          </a:effectRef>
+          <a:fontRef idx="minor">
+            <a:schemeClr val="lt1"/>
+          </a:fontRef>
+        </p:style>
+        <p:txBody>
+          <a:bodyPr rtlCol="0" anchor="ctr"/>
+          <a:lstStyle/>
+          <a:p>
+            <a:pPr algn="ctr"/>
+            <a:r>
+              <a:rPr lang="zh-TW" altLang="en-US" dirty="0"/>
+              <a:t>用戶控制器 </a:t>
+            </a:r>
+            <a:r>
+              <a:rPr lang="en-US" altLang="zh-TW" dirty="0"/>
+              <a:t>(</a:t>
+            </a:r>
+            <a:r>
+              <a:rPr lang="en-US" altLang="zh-TW" dirty="0" err="1"/>
+              <a:t>UserController</a:t>
+            </a:r>
+            <a:r>
+              <a:rPr lang="en-US" altLang="zh-TW" dirty="0"/>
+              <a:t>) </a:t>
+            </a:r>
+            <a:endParaRPr lang="zh-TW" altLang="en-US" dirty="0"/>
+          </a:p>
+        </p:txBody>
+      </p:sp>
+      <p:sp>
+        <p:nvSpPr>
+          <p:cNvPr id="9" name="矩形: 圓角 8">
+            <a:extLst>
+              <a:ext uri="{FF2B5EF4-FFF2-40B4-BE49-F238E27FC236}">
+                <a16:creationId xmlns:a16="http://schemas.microsoft.com/office/drawing/2014/main" id="{71784112-7DC9-416A-BA31-913C630FAF9F}"/>
+              </a:ext>
+            </a:extLst>
+          </p:cNvPr>
+          <p:cNvSpPr/>
+          <p:nvPr/>
+        </p:nvSpPr>
+        <p:spPr>
+          <a:xfrm>
+            <a:off x="1327729" y="1867104"/>
+            <a:ext cx="1773382" cy="918730"/>
+          </a:xfrm>
+          <a:prstGeom prst="roundRect">
+            <a:avLst/>
+          </a:prstGeom>
+        </p:spPr>
+        <p:style>
+          <a:lnRef idx="2">
+            <a:schemeClr val="accent1">
+              <a:shade val="50000"/>
+            </a:schemeClr>
+          </a:lnRef>
+          <a:fillRef idx="1">
+            <a:schemeClr val="accent1"/>
+          </a:fillRef>
+          <a:effectRef idx="0">
+            <a:schemeClr val="accent1"/>
+          </a:effectRef>
+          <a:fontRef idx="minor">
+            <a:schemeClr val="lt1"/>
+          </a:fontRef>
+        </p:style>
+        <p:txBody>
+          <a:bodyPr rtlCol="0" anchor="ctr"/>
+          <a:lstStyle/>
+          <a:p>
+            <a:pPr algn="ctr"/>
+            <a:r>
+              <a:rPr lang="zh-TW" altLang="en-US" dirty="0"/>
+              <a:t>用戶視圖 </a:t>
+            </a:r>
+            <a:r>
+              <a:rPr lang="en-US" altLang="zh-TW" dirty="0"/>
+              <a:t>(</a:t>
+            </a:r>
+            <a:r>
+              <a:rPr lang="en-US" altLang="zh-TW" dirty="0" err="1"/>
+              <a:t>UserVO</a:t>
+            </a:r>
+            <a:r>
+              <a:rPr lang="en-US" altLang="zh-TW" dirty="0"/>
+              <a:t>) </a:t>
+            </a:r>
+            <a:endParaRPr lang="zh-TW" altLang="en-US" dirty="0"/>
+          </a:p>
+        </p:txBody>
+      </p:sp>
+      <p:sp>
+        <p:nvSpPr>
+          <p:cNvPr id="10" name="矩形: 圓角 9">
+            <a:extLst>
+              <a:ext uri="{FF2B5EF4-FFF2-40B4-BE49-F238E27FC236}">
+                <a16:creationId xmlns:a16="http://schemas.microsoft.com/office/drawing/2014/main" id="{BBB8FC82-D00A-4861-A03E-923CBC38A872}"/>
+              </a:ext>
+            </a:extLst>
+          </p:cNvPr>
+          <p:cNvSpPr/>
+          <p:nvPr/>
+        </p:nvSpPr>
+        <p:spPr>
+          <a:xfrm>
+            <a:off x="6647874" y="1897872"/>
+            <a:ext cx="1773382" cy="918730"/>
+          </a:xfrm>
+          <a:prstGeom prst="roundRect">
+            <a:avLst/>
+          </a:prstGeom>
+        </p:spPr>
+        <p:style>
+          <a:lnRef idx="2">
+            <a:schemeClr val="accent2">
+              <a:shade val="50000"/>
+            </a:schemeClr>
+          </a:lnRef>
+          <a:fillRef idx="1">
+            <a:schemeClr val="accent2"/>
+          </a:fillRef>
+          <a:effectRef idx="0">
+            <a:schemeClr val="accent2"/>
+          </a:effectRef>
+          <a:fontRef idx="minor">
+            <a:schemeClr val="lt1"/>
+          </a:fontRef>
+        </p:style>
+        <p:txBody>
+          <a:bodyPr rtlCol="0" anchor="ctr"/>
+          <a:lstStyle/>
+          <a:p>
+            <a:pPr algn="ctr"/>
+            <a:r>
+              <a:rPr lang="zh-TW" altLang="en-US" dirty="0">
+                <a:solidFill>
+                  <a:schemeClr val="tx1"/>
+                </a:solidFill>
+              </a:rPr>
+              <a:t>數據庫查詢結果</a:t>
+            </a:r>
+            <a:r>
+              <a:rPr lang="en-US" altLang="zh-TW" dirty="0">
+                <a:solidFill>
+                  <a:schemeClr val="tx1"/>
+                </a:solidFill>
+              </a:rPr>
+              <a:t>,</a:t>
+            </a:r>
+            <a:r>
+              <a:rPr lang="zh-TW" altLang="en-US" dirty="0">
+                <a:solidFill>
+                  <a:schemeClr val="tx1"/>
+                </a:solidFill>
+              </a:rPr>
+              <a:t>錯誤處理</a:t>
+            </a:r>
+          </a:p>
+        </p:txBody>
+      </p:sp>
+      <p:sp>
+        <p:nvSpPr>
+          <p:cNvPr id="11" name="矩形: 圓角 10">
+            <a:extLst>
+              <a:ext uri="{FF2B5EF4-FFF2-40B4-BE49-F238E27FC236}">
+                <a16:creationId xmlns:a16="http://schemas.microsoft.com/office/drawing/2014/main" id="{59FBC222-12C2-48B4-8269-470DEBE71245}"/>
+              </a:ext>
+            </a:extLst>
+          </p:cNvPr>
+          <p:cNvSpPr/>
+          <p:nvPr/>
+        </p:nvSpPr>
+        <p:spPr>
+          <a:xfrm>
+            <a:off x="1327729" y="251948"/>
+            <a:ext cx="1773382" cy="918730"/>
+          </a:xfrm>
+          <a:prstGeom prst="roundRect">
+            <a:avLst/>
+          </a:prstGeom>
+        </p:spPr>
+        <p:style>
+          <a:lnRef idx="2">
+            <a:schemeClr val="accent1">
+              <a:shade val="50000"/>
+            </a:schemeClr>
+          </a:lnRef>
+          <a:fillRef idx="1">
+            <a:schemeClr val="accent1"/>
+          </a:fillRef>
+          <a:effectRef idx="0">
+            <a:schemeClr val="accent1"/>
+          </a:effectRef>
+          <a:fontRef idx="minor">
+            <a:schemeClr val="lt1"/>
+          </a:fontRef>
+        </p:style>
+        <p:txBody>
+          <a:bodyPr rtlCol="0" anchor="ctr"/>
+          <a:lstStyle/>
+          <a:p>
+            <a:pPr algn="ctr"/>
+            <a:r>
+              <a:rPr lang="zh-TW" altLang="en-US" dirty="0"/>
+              <a:t>前端 </a:t>
+            </a:r>
+            <a:r>
+              <a:rPr lang="en-US" altLang="zh-TW" dirty="0"/>
+              <a:t>(HTML, JS) </a:t>
+            </a:r>
+            <a:endParaRPr lang="zh-TW" altLang="en-US" dirty="0"/>
+          </a:p>
+        </p:txBody>
+      </p:sp>
+      <p:sp>
+        <p:nvSpPr>
+          <p:cNvPr id="12" name="矩形: 圓角 11">
+            <a:extLst>
+              <a:ext uri="{FF2B5EF4-FFF2-40B4-BE49-F238E27FC236}">
+                <a16:creationId xmlns:a16="http://schemas.microsoft.com/office/drawing/2014/main" id="{76A4D0D5-5120-465E-A50E-9F422C680974}"/>
+              </a:ext>
+            </a:extLst>
+          </p:cNvPr>
+          <p:cNvSpPr/>
+          <p:nvPr/>
+        </p:nvSpPr>
+        <p:spPr>
+          <a:xfrm>
+            <a:off x="6647874" y="251948"/>
+            <a:ext cx="1773382" cy="918730"/>
+          </a:xfrm>
+          <a:prstGeom prst="roundRect">
+            <a:avLst/>
+          </a:prstGeom>
+        </p:spPr>
+        <p:style>
+          <a:lnRef idx="2">
+            <a:schemeClr val="accent6">
+              <a:shade val="50000"/>
+            </a:schemeClr>
+          </a:lnRef>
+          <a:fillRef idx="1">
+            <a:schemeClr val="accent6"/>
+          </a:fillRef>
+          <a:effectRef idx="0">
+            <a:schemeClr val="accent6"/>
+          </a:effectRef>
+          <a:fontRef idx="minor">
+            <a:schemeClr val="lt1"/>
+          </a:fontRef>
+        </p:style>
+        <p:txBody>
+          <a:bodyPr rtlCol="0" anchor="ctr"/>
+          <a:lstStyle/>
+          <a:p>
+            <a:pPr algn="ctr"/>
+            <a:r>
+              <a:rPr lang="zh-TW" altLang="en-US" sz="1600" dirty="0">
+                <a:solidFill>
+                  <a:schemeClr val="tx1"/>
+                </a:solidFill>
+              </a:rPr>
+              <a:t>業務邏輯服務層</a:t>
+            </a:r>
+            <a:br>
+              <a:rPr lang="en-US" altLang="zh-TW" dirty="0">
+                <a:solidFill>
+                  <a:schemeClr val="tx1"/>
+                </a:solidFill>
+              </a:rPr>
+            </a:br>
+            <a:r>
+              <a:rPr lang="en-US" altLang="zh-TW" dirty="0">
+                <a:solidFill>
+                  <a:schemeClr val="tx1"/>
+                </a:solidFill>
+              </a:rPr>
+              <a:t>(</a:t>
+            </a:r>
+            <a:r>
+              <a:rPr lang="en-US" altLang="zh-TW" dirty="0" err="1">
+                <a:solidFill>
+                  <a:schemeClr val="tx1"/>
+                </a:solidFill>
+              </a:rPr>
+              <a:t>UserService</a:t>
+            </a:r>
+            <a:r>
+              <a:rPr lang="en-US" altLang="zh-TW" dirty="0">
+                <a:solidFill>
+                  <a:schemeClr val="tx1"/>
+                </a:solidFill>
+              </a:rPr>
+              <a:t>)</a:t>
+            </a:r>
+            <a:endParaRPr lang="zh-TW" altLang="en-US" dirty="0">
+              <a:solidFill>
+                <a:schemeClr val="tx1"/>
+              </a:solidFill>
+            </a:endParaRPr>
+          </a:p>
+        </p:txBody>
+      </p:sp>
+      <p:sp>
+        <p:nvSpPr>
+          <p:cNvPr id="13" name="矩形: 圓角 12">
+            <a:extLst>
+              <a:ext uri="{FF2B5EF4-FFF2-40B4-BE49-F238E27FC236}">
+                <a16:creationId xmlns:a16="http://schemas.microsoft.com/office/drawing/2014/main" id="{B3B87265-F2FD-412B-BA0F-6C33C87AF558}"/>
+              </a:ext>
+            </a:extLst>
+          </p:cNvPr>
+          <p:cNvSpPr/>
+          <p:nvPr/>
+        </p:nvSpPr>
+        <p:spPr>
+          <a:xfrm>
+            <a:off x="3883891" y="1871723"/>
+            <a:ext cx="1773382" cy="918730"/>
+          </a:xfrm>
+          <a:prstGeom prst="roundRect">
+            <a:avLst/>
+          </a:prstGeom>
+        </p:spPr>
+        <p:style>
+          <a:lnRef idx="2">
+            <a:schemeClr val="accent4">
+              <a:shade val="50000"/>
+            </a:schemeClr>
+          </a:lnRef>
+          <a:fillRef idx="1">
+            <a:schemeClr val="accent4"/>
+          </a:fillRef>
+          <a:effectRef idx="0">
+            <a:schemeClr val="accent4"/>
+          </a:effectRef>
+          <a:fontRef idx="minor">
+            <a:schemeClr val="lt1"/>
+          </a:fontRef>
+        </p:style>
+        <p:txBody>
+          <a:bodyPr rtlCol="0" anchor="ctr"/>
+          <a:lstStyle/>
+          <a:p>
+            <a:pPr algn="ctr"/>
+            <a:r>
+              <a:rPr lang="en-US" altLang="zh-TW" dirty="0">
+                <a:solidFill>
+                  <a:schemeClr val="tx1"/>
+                </a:solidFill>
+              </a:rPr>
+              <a:t>DAO (</a:t>
+            </a:r>
+            <a:r>
+              <a:rPr lang="en-US" altLang="zh-TW" dirty="0" err="1">
+                <a:solidFill>
+                  <a:schemeClr val="tx1"/>
+                </a:solidFill>
+              </a:rPr>
+              <a:t>UserDAO</a:t>
+            </a:r>
+            <a:r>
+              <a:rPr lang="en-US" altLang="zh-TW" dirty="0">
+                <a:solidFill>
+                  <a:schemeClr val="tx1"/>
+                </a:solidFill>
+              </a:rPr>
+              <a:t>)</a:t>
+            </a:r>
+          </a:p>
+        </p:txBody>
+      </p:sp>
+      <p:cxnSp>
+        <p:nvCxnSpPr>
+          <p:cNvPr id="17" name="直線單箭頭接點 16">
+            <a:extLst>
+              <a:ext uri="{FF2B5EF4-FFF2-40B4-BE49-F238E27FC236}">
+                <a16:creationId xmlns:a16="http://schemas.microsoft.com/office/drawing/2014/main" id="{D7CE97B5-94C7-486B-83BC-76C7073CA3EA}"/>
+              </a:ext>
+            </a:extLst>
+          </p:cNvPr>
+          <p:cNvCxnSpPr>
+            <a:cxnSpLocks/>
+          </p:cNvCxnSpPr>
+          <p:nvPr/>
+        </p:nvCxnSpPr>
+        <p:spPr>
+          <a:xfrm>
+            <a:off x="3260828" y="658235"/>
+            <a:ext cx="470663" cy="0"/>
+          </a:xfrm>
+          <a:prstGeom prst="straightConnector1">
+            <a:avLst/>
+          </a:prstGeom>
+          <a:ln w="9525" cap="flat" cmpd="sng" algn="ctr">
+            <a:solidFill>
+              <a:schemeClr val="dk1"/>
+            </a:solidFill>
+            <a:prstDash val="solid"/>
+            <a:round/>
+            <a:headEnd type="arrow" w="med" len="med"/>
+            <a:tailEnd type="arrow" w="med" len="med"/>
+          </a:ln>
+        </p:spPr>
+        <p:style>
+          <a:lnRef idx="0">
+            <a:scrgbClr r="0" g="0" b="0"/>
+          </a:lnRef>
+          <a:fillRef idx="0">
+            <a:scrgbClr r="0" g="0" b="0"/>
+          </a:fillRef>
+          <a:effectRef idx="0">
+            <a:scrgbClr r="0" g="0" b="0"/>
+          </a:effectRef>
+          <a:fontRef idx="minor">
+            <a:schemeClr val="tx1"/>
+          </a:fontRef>
+        </p:style>
+      </p:cxnSp>
+      <p:cxnSp>
+        <p:nvCxnSpPr>
+          <p:cNvPr id="22" name="直線單箭頭接點 21">
+            <a:extLst>
+              <a:ext uri="{FF2B5EF4-FFF2-40B4-BE49-F238E27FC236}">
+                <a16:creationId xmlns:a16="http://schemas.microsoft.com/office/drawing/2014/main" id="{1443E758-CFDB-4380-BDD5-5EDE93252BAB}"/>
+              </a:ext>
+            </a:extLst>
+          </p:cNvPr>
+          <p:cNvCxnSpPr>
+            <a:cxnSpLocks/>
+          </p:cNvCxnSpPr>
+          <p:nvPr/>
+        </p:nvCxnSpPr>
+        <p:spPr>
+          <a:xfrm>
+            <a:off x="2207499" y="1273498"/>
+            <a:ext cx="0" cy="447068"/>
+          </a:xfrm>
+          <a:prstGeom prst="straightConnector1">
+            <a:avLst/>
+          </a:prstGeom>
+          <a:ln>
+            <a:tailEnd type="triangle"/>
+          </a:ln>
+        </p:spPr>
+        <p:style>
+          <a:lnRef idx="2">
+            <a:schemeClr val="dk1"/>
+          </a:lnRef>
+          <a:fillRef idx="0">
+            <a:schemeClr val="dk1"/>
+          </a:fillRef>
+          <a:effectRef idx="1">
+            <a:schemeClr val="dk1"/>
+          </a:effectRef>
+          <a:fontRef idx="minor">
+            <a:schemeClr val="tx1"/>
+          </a:fontRef>
+        </p:style>
+      </p:cxnSp>
+      <p:cxnSp>
+        <p:nvCxnSpPr>
+          <p:cNvPr id="24" name="直線單箭頭接點 23">
+            <a:extLst>
+              <a:ext uri="{FF2B5EF4-FFF2-40B4-BE49-F238E27FC236}">
+                <a16:creationId xmlns:a16="http://schemas.microsoft.com/office/drawing/2014/main" id="{957484DC-8549-43FD-8875-A83A6F05D27F}"/>
+              </a:ext>
+            </a:extLst>
+          </p:cNvPr>
+          <p:cNvCxnSpPr>
+            <a:cxnSpLocks/>
+          </p:cNvCxnSpPr>
+          <p:nvPr/>
+        </p:nvCxnSpPr>
+        <p:spPr>
+          <a:xfrm>
+            <a:off x="5914107" y="658235"/>
+            <a:ext cx="470663" cy="0"/>
+          </a:xfrm>
+          <a:prstGeom prst="straightConnector1">
+            <a:avLst/>
+          </a:prstGeom>
+          <a:ln w="9525" cap="flat" cmpd="sng" algn="ctr">
+            <a:solidFill>
+              <a:schemeClr val="dk1"/>
+            </a:solidFill>
+            <a:prstDash val="solid"/>
+            <a:round/>
+            <a:headEnd type="arrow" w="med" len="med"/>
+            <a:tailEnd type="arrow" w="med" len="med"/>
+          </a:ln>
+        </p:spPr>
+        <p:style>
+          <a:lnRef idx="0">
+            <a:scrgbClr r="0" g="0" b="0"/>
+          </a:lnRef>
+          <a:fillRef idx="0">
+            <a:scrgbClr r="0" g="0" b="0"/>
+          </a:fillRef>
+          <a:effectRef idx="0">
+            <a:scrgbClr r="0" g="0" b="0"/>
+          </a:effectRef>
+          <a:fontRef idx="minor">
+            <a:schemeClr val="tx1"/>
+          </a:fontRef>
+        </p:style>
+      </p:cxnSp>
+      <p:cxnSp>
+        <p:nvCxnSpPr>
+          <p:cNvPr id="26" name="直線單箭頭接點 25">
+            <a:extLst>
+              <a:ext uri="{FF2B5EF4-FFF2-40B4-BE49-F238E27FC236}">
+                <a16:creationId xmlns:a16="http://schemas.microsoft.com/office/drawing/2014/main" id="{A3003428-8D84-4CC7-944B-88F76284A587}"/>
+              </a:ext>
+            </a:extLst>
+          </p:cNvPr>
+          <p:cNvCxnSpPr>
+            <a:cxnSpLocks/>
+          </p:cNvCxnSpPr>
+          <p:nvPr/>
+        </p:nvCxnSpPr>
+        <p:spPr>
+          <a:xfrm>
+            <a:off x="4738255" y="1319806"/>
+            <a:ext cx="0" cy="447068"/>
+          </a:xfrm>
+          <a:prstGeom prst="straightConnector1">
+            <a:avLst/>
+          </a:prstGeom>
+          <a:ln>
+            <a:tailEnd type="triangle"/>
+          </a:ln>
+        </p:spPr>
+        <p:style>
+          <a:lnRef idx="2">
+            <a:schemeClr val="dk1"/>
+          </a:lnRef>
+          <a:fillRef idx="0">
+            <a:schemeClr val="dk1"/>
+          </a:fillRef>
+          <a:effectRef idx="1">
+            <a:schemeClr val="dk1"/>
+          </a:effectRef>
+          <a:fontRef idx="minor">
+            <a:schemeClr val="tx1"/>
+          </a:fontRef>
+        </p:style>
+      </p:cxnSp>
+      <p:cxnSp>
+        <p:nvCxnSpPr>
+          <p:cNvPr id="27" name="直線單箭頭接點 26">
+            <a:extLst>
+              <a:ext uri="{FF2B5EF4-FFF2-40B4-BE49-F238E27FC236}">
+                <a16:creationId xmlns:a16="http://schemas.microsoft.com/office/drawing/2014/main" id="{6102ED0B-917C-4CD1-8748-FA76393EA960}"/>
+              </a:ext>
+            </a:extLst>
+          </p:cNvPr>
+          <p:cNvCxnSpPr>
+            <a:cxnSpLocks/>
+          </p:cNvCxnSpPr>
+          <p:nvPr/>
+        </p:nvCxnSpPr>
+        <p:spPr>
+          <a:xfrm>
+            <a:off x="7617691" y="1329910"/>
+            <a:ext cx="0" cy="447068"/>
+          </a:xfrm>
+          <a:prstGeom prst="straightConnector1">
+            <a:avLst/>
+          </a:prstGeom>
+          <a:ln>
+            <a:tailEnd type="triangle"/>
+          </a:ln>
+        </p:spPr>
+        <p:style>
+          <a:lnRef idx="2">
+            <a:schemeClr val="dk1"/>
+          </a:lnRef>
+          <a:fillRef idx="0">
+            <a:schemeClr val="dk1"/>
+          </a:fillRef>
+          <a:effectRef idx="1">
+            <a:schemeClr val="dk1"/>
+          </a:effectRef>
+          <a:fontRef idx="minor">
+            <a:schemeClr val="tx1"/>
+          </a:fontRef>
+        </p:style>
+      </p:cxnSp>
+      <p:cxnSp>
+        <p:nvCxnSpPr>
+          <p:cNvPr id="28" name="直線單箭頭接點 27">
+            <a:extLst>
+              <a:ext uri="{FF2B5EF4-FFF2-40B4-BE49-F238E27FC236}">
+                <a16:creationId xmlns:a16="http://schemas.microsoft.com/office/drawing/2014/main" id="{46B62F9D-060C-4170-9A0B-BF2416561272}"/>
+              </a:ext>
+            </a:extLst>
+          </p:cNvPr>
+          <p:cNvCxnSpPr>
+            <a:cxnSpLocks/>
+          </p:cNvCxnSpPr>
+          <p:nvPr/>
+        </p:nvCxnSpPr>
+        <p:spPr>
+          <a:xfrm>
+            <a:off x="2214420" y="2909455"/>
+            <a:ext cx="0" cy="447068"/>
+          </a:xfrm>
+          <a:prstGeom prst="straightConnector1">
+            <a:avLst/>
+          </a:prstGeom>
+          <a:ln>
+            <a:tailEnd type="triangle"/>
+          </a:ln>
+        </p:spPr>
+        <p:style>
+          <a:lnRef idx="2">
+            <a:schemeClr val="dk1"/>
+          </a:lnRef>
+          <a:fillRef idx="0">
+            <a:schemeClr val="dk1"/>
+          </a:fillRef>
+          <a:effectRef idx="1">
+            <a:schemeClr val="dk1"/>
+          </a:effectRef>
+          <a:fontRef idx="minor">
+            <a:schemeClr val="tx1"/>
+          </a:fontRef>
+        </p:style>
+      </p:cxnSp>
+      <p:sp>
+        <p:nvSpPr>
+          <p:cNvPr id="29" name="矩形: 圓角 28">
+            <a:extLst>
+              <a:ext uri="{FF2B5EF4-FFF2-40B4-BE49-F238E27FC236}">
+                <a16:creationId xmlns:a16="http://schemas.microsoft.com/office/drawing/2014/main" id="{DCEEB836-0FAB-4E29-901C-8CDC2AB76414}"/>
+              </a:ext>
+            </a:extLst>
+          </p:cNvPr>
+          <p:cNvSpPr/>
+          <p:nvPr/>
+        </p:nvSpPr>
+        <p:spPr>
+          <a:xfrm>
+            <a:off x="1327729" y="3501478"/>
+            <a:ext cx="1773382" cy="918730"/>
+          </a:xfrm>
+          <a:prstGeom prst="roundRect">
+            <a:avLst/>
+          </a:prstGeom>
+        </p:spPr>
+        <p:style>
+          <a:lnRef idx="2">
+            <a:schemeClr val="accent1">
+              <a:shade val="50000"/>
+            </a:schemeClr>
+          </a:lnRef>
+          <a:fillRef idx="1">
+            <a:schemeClr val="accent1"/>
+          </a:fillRef>
+          <a:effectRef idx="0">
+            <a:schemeClr val="accent1"/>
+          </a:effectRef>
+          <a:fontRef idx="minor">
+            <a:schemeClr val="lt1"/>
+          </a:fontRef>
+        </p:style>
+        <p:txBody>
+          <a:bodyPr rtlCol="0" anchor="ctr"/>
+          <a:lstStyle/>
+          <a:p>
+            <a:pPr algn="ctr"/>
+            <a:r>
+              <a:rPr lang="zh-TW" altLang="en-US" sz="1600" dirty="0"/>
+              <a:t>返回結果給前端 </a:t>
+            </a:r>
+            <a:br>
+              <a:rPr lang="en-US" altLang="zh-TW" dirty="0"/>
+            </a:br>
+            <a:r>
+              <a:rPr lang="en-US" altLang="zh-TW" dirty="0"/>
+              <a:t>(HTML)</a:t>
+            </a:r>
+          </a:p>
+        </p:txBody>
+      </p:sp>
+      <p:sp>
+        <p:nvSpPr>
+          <p:cNvPr id="30" name="矩形 29">
+            <a:extLst>
+              <a:ext uri="{FF2B5EF4-FFF2-40B4-BE49-F238E27FC236}">
+                <a16:creationId xmlns:a16="http://schemas.microsoft.com/office/drawing/2014/main" id="{43499BB5-775E-4E37-AA74-54A383D68E8D}"/>
+              </a:ext>
+            </a:extLst>
+          </p:cNvPr>
+          <p:cNvSpPr/>
+          <p:nvPr/>
+        </p:nvSpPr>
+        <p:spPr>
+          <a:xfrm>
+            <a:off x="3265766" y="754933"/>
+            <a:ext cx="1467533" cy="276999"/>
+          </a:xfrm>
+          <a:prstGeom prst="rect">
+            <a:avLst/>
+          </a:prstGeom>
+        </p:spPr>
+        <p:txBody>
+          <a:bodyPr wrap="square">
+            <a:spAutoFit/>
+          </a:bodyPr>
+          <a:lstStyle/>
+          <a:p>
+            <a:r>
+              <a:rPr lang="zh-TW" altLang="en-US" sz="1200" dirty="0"/>
+              <a:t>請求</a:t>
+            </a:r>
+            <a:endParaRPr lang="en-US" altLang="zh-TW" sz="1200" dirty="0"/>
+          </a:p>
+        </p:txBody>
+      </p:sp>
+      <p:sp>
+        <p:nvSpPr>
+          <p:cNvPr id="31" name="矩形 30">
+            <a:extLst>
+              <a:ext uri="{FF2B5EF4-FFF2-40B4-BE49-F238E27FC236}">
+                <a16:creationId xmlns:a16="http://schemas.microsoft.com/office/drawing/2014/main" id="{B2F71AED-518B-44DA-AF16-93C1628232E3}"/>
+              </a:ext>
+            </a:extLst>
+          </p:cNvPr>
+          <p:cNvSpPr/>
+          <p:nvPr/>
+        </p:nvSpPr>
+        <p:spPr>
+          <a:xfrm>
+            <a:off x="5914107" y="754933"/>
+            <a:ext cx="1467533" cy="276999"/>
+          </a:xfrm>
+          <a:prstGeom prst="rect">
+            <a:avLst/>
+          </a:prstGeom>
+        </p:spPr>
+        <p:txBody>
+          <a:bodyPr wrap="square">
+            <a:spAutoFit/>
+          </a:bodyPr>
+          <a:lstStyle/>
+          <a:p>
+            <a:r>
+              <a:rPr lang="zh-TW" altLang="en-US" sz="1200" dirty="0"/>
+              <a:t>請求</a:t>
+            </a:r>
+            <a:endParaRPr lang="en-US" altLang="zh-TW" sz="1200" dirty="0"/>
+          </a:p>
+        </p:txBody>
+      </p:sp>
+      <p:sp>
+        <p:nvSpPr>
+          <p:cNvPr id="32" name="矩形 31">
+            <a:extLst>
+              <a:ext uri="{FF2B5EF4-FFF2-40B4-BE49-F238E27FC236}">
+                <a16:creationId xmlns:a16="http://schemas.microsoft.com/office/drawing/2014/main" id="{2BE6ABFB-0780-4725-B952-62CDE46D23AC}"/>
+              </a:ext>
+            </a:extLst>
+          </p:cNvPr>
+          <p:cNvSpPr/>
+          <p:nvPr/>
+        </p:nvSpPr>
+        <p:spPr>
+          <a:xfrm>
+            <a:off x="332904" y="4722437"/>
+            <a:ext cx="3998951" cy="1569660"/>
+          </a:xfrm>
+          <a:prstGeom prst="rect">
+            <a:avLst/>
+          </a:prstGeom>
+        </p:spPr>
+        <p:txBody>
+          <a:bodyPr wrap="square">
+            <a:spAutoFit/>
+          </a:bodyPr>
+          <a:lstStyle/>
+          <a:p>
+            <a:r>
+              <a:rPr lang="en-US" altLang="zh-TW" sz="1600" dirty="0"/>
+              <a:t>MySQL</a:t>
+            </a:r>
+            <a:r>
+              <a:rPr lang="zh-TW" altLang="en-US" sz="1600" dirty="0"/>
+              <a:t>：數據存儲。</a:t>
+            </a:r>
+          </a:p>
+          <a:p>
+            <a:r>
+              <a:rPr lang="en-US" altLang="zh-TW" sz="1600" dirty="0"/>
+              <a:t>Redis</a:t>
+            </a:r>
+            <a:r>
+              <a:rPr lang="zh-TW" altLang="en-US" sz="1600" dirty="0"/>
+              <a:t>：用於快速數據存儲和緩存。</a:t>
+            </a:r>
+          </a:p>
+          <a:p>
+            <a:r>
+              <a:rPr lang="en-US" altLang="zh-TW" sz="1600" dirty="0"/>
+              <a:t>Spring Boot</a:t>
+            </a:r>
+            <a:r>
+              <a:rPr lang="zh-TW" altLang="en-US" sz="1600" dirty="0"/>
+              <a:t>：應用框架。</a:t>
+            </a:r>
+          </a:p>
+          <a:p>
+            <a:r>
+              <a:rPr lang="en-US" altLang="zh-TW" sz="1600" dirty="0"/>
+              <a:t>JPA (Hibernate)</a:t>
+            </a:r>
+            <a:r>
+              <a:rPr lang="zh-TW" altLang="en-US" sz="1600" dirty="0"/>
+              <a:t>：資料庫操作。</a:t>
+            </a:r>
+          </a:p>
+          <a:p>
+            <a:r>
+              <a:rPr lang="zh-TW" altLang="en-US" sz="1600" dirty="0"/>
+              <a:t>這樣能幫助聽眾理解系統架構的具體實現和技術選擇。</a:t>
+            </a:r>
+          </a:p>
+        </p:txBody>
+      </p:sp>
     </p:spTree>
     <p:extLst>
       <p:ext uri="{BB962C8B-B14F-4D97-AF65-F5344CB8AC3E}">
